--- a/Presentations/EECS6895-AdvancedBigDataAnalytics-TaskMilestone3-SG2665 - Copy.pptx
+++ b/Presentations/EECS6895-AdvancedBigDataAnalytics-TaskMilestone3-SG2665 - Copy.pptx
@@ -586,7 +586,7 @@
           </a:ln>
           <a:extLst>
             <a:ext uri="{C572A759-6A51-4108-AA02-DFA0A04FC94B}">
-              <ma14:wrappingTextBoxFlag xmlns:ma14="http://schemas.microsoft.com/office/mac/drawingml/2011/main" xmlns="" val="1"/>
+              <ma14:wrappingTextBoxFlag xmlns="" xmlns:ma14="http://schemas.microsoft.com/office/mac/drawingml/2011/main" val="1"/>
             </a:ext>
           </a:extLst>
         </p:spPr>
@@ -696,7 +696,7 @@
           </a:ln>
           <a:extLst>
             <a:ext uri="{C572A759-6A51-4108-AA02-DFA0A04FC94B}">
-              <ma14:wrappingTextBoxFlag xmlns:ma14="http://schemas.microsoft.com/office/mac/drawingml/2011/main" xmlns="" val="1"/>
+              <ma14:wrappingTextBoxFlag xmlns="" xmlns:ma14="http://schemas.microsoft.com/office/mac/drawingml/2011/main" val="1"/>
             </a:ext>
           </a:extLst>
         </p:spPr>
@@ -1027,7 +1027,7 @@
           </a:ln>
           <a:extLst>
             <a:ext uri="{C572A759-6A51-4108-AA02-DFA0A04FC94B}">
-              <ma14:wrappingTextBoxFlag xmlns:ma14="http://schemas.microsoft.com/office/mac/drawingml/2011/main" xmlns="" val="1"/>
+              <ma14:wrappingTextBoxFlag xmlns="" xmlns:ma14="http://schemas.microsoft.com/office/mac/drawingml/2011/main" val="1"/>
             </a:ext>
           </a:extLst>
         </p:spPr>
@@ -1105,7 +1105,7 @@
           </a:ln>
           <a:extLst>
             <a:ext uri="{C572A759-6A51-4108-AA02-DFA0A04FC94B}">
-              <ma14:wrappingTextBoxFlag xmlns:ma14="http://schemas.microsoft.com/office/mac/drawingml/2011/main" xmlns="" val="1"/>
+              <ma14:wrappingTextBoxFlag xmlns="" xmlns:ma14="http://schemas.microsoft.com/office/mac/drawingml/2011/main" val="1"/>
             </a:ext>
           </a:extLst>
         </p:spPr>
@@ -1837,7 +1837,7 @@
           </a:ln>
           <a:extLst>
             <a:ext uri="{C572A759-6A51-4108-AA02-DFA0A04FC94B}">
-              <ma14:wrappingTextBoxFlag xmlns:ma14="http://schemas.microsoft.com/office/mac/drawingml/2011/main" xmlns="" val="1"/>
+              <ma14:wrappingTextBoxFlag xmlns="" xmlns:ma14="http://schemas.microsoft.com/office/mac/drawingml/2011/main" val="1"/>
             </a:ext>
           </a:extLst>
         </p:spPr>
@@ -1947,7 +1947,7 @@
           </a:ln>
           <a:extLst>
             <a:ext uri="{C572A759-6A51-4108-AA02-DFA0A04FC94B}">
-              <ma14:wrappingTextBoxFlag xmlns:ma14="http://schemas.microsoft.com/office/mac/drawingml/2011/main" xmlns="" val="1"/>
+              <ma14:wrappingTextBoxFlag xmlns="" xmlns:ma14="http://schemas.microsoft.com/office/mac/drawingml/2011/main" val="1"/>
             </a:ext>
           </a:extLst>
         </p:spPr>
@@ -2106,7 +2106,7 @@
           </a:ln>
           <a:extLst>
             <a:ext uri="{C572A759-6A51-4108-AA02-DFA0A04FC94B}">
-              <ma14:wrappingTextBoxFlag xmlns:ma14="http://schemas.microsoft.com/office/mac/drawingml/2011/main" xmlns="" val="1"/>
+              <ma14:wrappingTextBoxFlag xmlns="" xmlns:ma14="http://schemas.microsoft.com/office/mac/drawingml/2011/main" val="1"/>
             </a:ext>
           </a:extLst>
         </p:spPr>
@@ -2143,7 +2143,7 @@
           </a:ln>
           <a:extLst>
             <a:ext uri="{C572A759-6A51-4108-AA02-DFA0A04FC94B}">
-              <ma14:wrappingTextBoxFlag xmlns:ma14="http://schemas.microsoft.com/office/mac/drawingml/2011/main" xmlns="" val="1"/>
+              <ma14:wrappingTextBoxFlag xmlns="" xmlns:ma14="http://schemas.microsoft.com/office/mac/drawingml/2011/main" val="1"/>
             </a:ext>
           </a:extLst>
         </p:spPr>
@@ -3239,7 +3239,7 @@
           </a:ln>
           <a:extLst>
             <a:ext uri="{C572A759-6A51-4108-AA02-DFA0A04FC94B}">
-              <ma14:wrappingTextBoxFlag xmlns:ma14="http://schemas.microsoft.com/office/mac/drawingml/2011/main" xmlns="" val="1"/>
+              <ma14:wrappingTextBoxFlag xmlns="" xmlns:ma14="http://schemas.microsoft.com/office/mac/drawingml/2011/main" val="1"/>
             </a:ext>
           </a:extLst>
         </p:spPr>
@@ -3458,7 +3458,7 @@
           </a:ln>
           <a:extLst>
             <a:ext uri="{C572A759-6A51-4108-AA02-DFA0A04FC94B}">
-              <ma14:wrappingTextBoxFlag xmlns:ma14="http://schemas.microsoft.com/office/mac/drawingml/2011/main" xmlns="" val="1"/>
+              <ma14:wrappingTextBoxFlag xmlns="" xmlns:ma14="http://schemas.microsoft.com/office/mac/drawingml/2011/main" val="1"/>
             </a:ext>
           </a:extLst>
         </p:spPr>
@@ -3669,7 +3669,7 @@
           </a:prstGeom>
           <a:extLst>
             <a:ext uri="{C572A759-6A51-4108-AA02-DFA0A04FC94B}">
-              <ma14:wrappingTextBoxFlag xmlns:ma14="http://schemas.microsoft.com/office/mac/drawingml/2011/main" xmlns="" val="1"/>
+              <ma14:wrappingTextBoxFlag xmlns="" xmlns:ma14="http://schemas.microsoft.com/office/mac/drawingml/2011/main" val="1"/>
             </a:ext>
           </a:extLst>
         </p:spPr>
@@ -7521,7 +7521,7 @@
         </p:blipFill>
         <p:spPr bwMode="auto">
           <a:xfrm>
-            <a:off x="1837401" y="1960804"/>
+            <a:off x="1837401" y="1358920"/>
             <a:ext cx="5511477" cy="3679102"/>
           </a:xfrm>
           <a:prstGeom prst="rect">
@@ -7539,6 +7539,65 @@
           </a:extLst>
         </p:spPr>
       </p:pic>
+      <p:sp>
+        <p:nvSpPr>
+          <p:cNvPr id="5" name="TextBox 4"/>
+          <p:cNvSpPr txBox="1"/>
+          <p:nvPr/>
+        </p:nvSpPr>
+        <p:spPr>
+          <a:xfrm>
+            <a:off x="4593139" y="5052632"/>
+            <a:ext cx="2847893" cy="584773"/>
+          </a:xfrm>
+          <a:prstGeom prst="rect">
+            <a:avLst/>
+          </a:prstGeom>
+          <a:noFill/>
+          <a:ln w="12700" cap="flat">
+            <a:noFill/>
+            <a:miter lim="400000"/>
+          </a:ln>
+          <a:effectLst/>
+          <a:sp3d/>
+        </p:spPr>
+        <p:style>
+          <a:lnRef idx="0">
+            <a:scrgbClr r="0" g="0" b="0"/>
+          </a:lnRef>
+          <a:fillRef idx="0">
+            <a:scrgbClr r="0" g="0" b="0"/>
+          </a:fillRef>
+          <a:effectRef idx="0">
+            <a:scrgbClr r="0" g="0" b="0"/>
+          </a:effectRef>
+          <a:fontRef idx="none"/>
+        </p:style>
+        <p:txBody>
+          <a:bodyPr rot="0" spcFirstLastPara="1" vertOverflow="overflow" horzOverflow="overflow" vert="horz" wrap="none" lIns="45719" tIns="45719" rIns="45719" bIns="45719" numCol="1" spcCol="38100" rtlCol="0" anchor="t">
+            <a:spAutoFit/>
+          </a:bodyPr>
+          <a:lstStyle/>
+          <a:p>
+            <a:r>
+              <a:rPr lang="en-US" dirty="0">
+                <a:hlinkClick r:id="rId3"/>
+              </a:rPr>
+              <a:t>https://youtu.be/W9XvaVNsGpw</a:t>
+            </a:r>
+            <a:endParaRPr lang="en-US" dirty="0"/>
+          </a:p>
+          <a:p>
+            <a:r>
+              <a:rPr lang="en-US" dirty="0">
+                <a:hlinkClick r:id="rId4"/>
+              </a:rPr>
+              <a:t>https://youtu.be/ewQ6mcEEFqc</a:t>
+            </a:r>
+            <a:endParaRPr lang="en-US" dirty="0"/>
+          </a:p>
+        </p:txBody>
+      </p:sp>
     </p:spTree>
     <p:extLst>
       <p:ext uri="{BB962C8B-B14F-4D97-AF65-F5344CB8AC3E}">
@@ -7586,7 +7645,7 @@
           </a:prstGeom>
           <a:extLst>
             <a:ext uri="{C572A759-6A51-4108-AA02-DFA0A04FC94B}">
-              <ma14:wrappingTextBoxFlag xmlns:ma14="http://schemas.microsoft.com/office/mac/drawingml/2011/main" xmlns="" val="1"/>
+              <ma14:wrappingTextBoxFlag xmlns="" xmlns:ma14="http://schemas.microsoft.com/office/mac/drawingml/2011/main" val="1"/>
             </a:ext>
           </a:extLst>
         </p:spPr>
